--- a/한국 대중가요 역대 음반 판매량을 통한 음반시장 분석(최종).pptx
+++ b/한국 대중가요 역대 음반 판매량을 통한 음반시장 분석(최종).pptx
@@ -1350,6 +1350,14 @@
         </dgm:presLayoutVars>
       </dgm:prSet>
       <dgm:spPr/>
+      <dgm:t>
+        <a:bodyPr/>
+        <a:lstStyle/>
+        <a:p>
+          <a:pPr latinLnBrk="1"/>
+          <a:endParaRPr lang="ko-KR" altLang="en-US"/>
+        </a:p>
+      </dgm:t>
     </dgm:pt>
     <dgm:pt modelId="{4129D413-DC5E-41AF-81E3-FFA1B3A6DE4A}" type="pres">
       <dgm:prSet presAssocID="{45018C27-9B59-4B6F-9C5B-720DEDB7B2B6}" presName="composite" presStyleCnt="0"/>
@@ -1363,6 +1371,14 @@
         </dgm:presLayoutVars>
       </dgm:prSet>
       <dgm:spPr/>
+      <dgm:t>
+        <a:bodyPr/>
+        <a:lstStyle/>
+        <a:p>
+          <a:pPr latinLnBrk="1"/>
+          <a:endParaRPr lang="ko-KR" altLang="en-US"/>
+        </a:p>
+      </dgm:t>
     </dgm:pt>
     <dgm:pt modelId="{AFC1F43A-213A-4EC1-93B7-6B0B4AEF6B6F}" type="pres">
       <dgm:prSet presAssocID="{45018C27-9B59-4B6F-9C5B-720DEDB7B2B6}" presName="descendantText" presStyleLbl="alignAcc1" presStyleIdx="0" presStyleCnt="3">
@@ -1396,6 +1412,14 @@
         </dgm:presLayoutVars>
       </dgm:prSet>
       <dgm:spPr/>
+      <dgm:t>
+        <a:bodyPr/>
+        <a:lstStyle/>
+        <a:p>
+          <a:pPr latinLnBrk="1"/>
+          <a:endParaRPr lang="ko-KR" altLang="en-US"/>
+        </a:p>
+      </dgm:t>
     </dgm:pt>
     <dgm:pt modelId="{5E62F709-C665-4A3B-A623-8A8948764E43}" type="pres">
       <dgm:prSet presAssocID="{0F786E82-5020-452E-B775-0B6D25418F5B}" presName="descendantText" presStyleLbl="alignAcc1" presStyleIdx="1" presStyleCnt="3">
@@ -1429,6 +1453,14 @@
         </dgm:presLayoutVars>
       </dgm:prSet>
       <dgm:spPr/>
+      <dgm:t>
+        <a:bodyPr/>
+        <a:lstStyle/>
+        <a:p>
+          <a:pPr latinLnBrk="1"/>
+          <a:endParaRPr lang="ko-KR" altLang="en-US"/>
+        </a:p>
+      </dgm:t>
     </dgm:pt>
     <dgm:pt modelId="{9962A4F8-6A99-449F-9AE4-116511E46900}" type="pres">
       <dgm:prSet presAssocID="{0DBC6C35-D138-41D3-B045-A5B59512270C}" presName="descendantText" presStyleLbl="alignAcc1" presStyleIdx="2" presStyleCnt="3">
@@ -1452,8 +1484,8 @@
     <dgm:cxn modelId="{48A2C84A-D63C-44A5-8D30-E915D71564B3}" srcId="{0F786E82-5020-452E-B775-0B6D25418F5B}" destId="{5A9F44FA-D793-450B-B9AD-A75275717D16}" srcOrd="0" destOrd="0" parTransId="{B1F77B7A-B2A0-48EB-AA01-D21188A0FFC9}" sibTransId="{58A16A69-F338-43D6-8F1A-288BF803912A}"/>
     <dgm:cxn modelId="{1109AF9F-125D-4BBF-9B74-890CFB38802B}" srcId="{0F786E82-5020-452E-B775-0B6D25418F5B}" destId="{C2DABF62-4A6B-42B6-9D0B-6E71F9EA9CD6}" srcOrd="1" destOrd="0" parTransId="{A4CC962B-9456-459D-A47A-C6B176119C4C}" sibTransId="{EAE4FDEB-5A26-496C-B16D-31E37E8EA15B}"/>
     <dgm:cxn modelId="{167AA1C1-809B-41AC-B647-ACA0E97421C4}" type="presOf" srcId="{CC494D7B-C758-455D-8FA0-EBAE0BA5100B}" destId="{AFC1F43A-213A-4EC1-93B7-6B0B4AEF6B6F}" srcOrd="0" destOrd="0" presId="urn:microsoft.com/office/officeart/2005/8/layout/chevron2"/>
+    <dgm:cxn modelId="{F057544D-B06A-4893-8E0D-08356418C17C}" type="presOf" srcId="{5A9F44FA-D793-450B-B9AD-A75275717D16}" destId="{5E62F709-C665-4A3B-A623-8A8948764E43}" srcOrd="0" destOrd="0" presId="urn:microsoft.com/office/officeart/2005/8/layout/chevron2"/>
     <dgm:cxn modelId="{E66DBAF2-4CB5-4F97-BC0A-D8FBC6ABFABA}" srcId="{3F5082AB-AAB3-4631-BAE6-027B20C8E3C8}" destId="{0F786E82-5020-452E-B775-0B6D25418F5B}" srcOrd="1" destOrd="0" parTransId="{E65772DF-5B3E-48BC-A46F-336137A86A61}" sibTransId="{9F077768-035C-4ACD-9D1E-7096F9F910E1}"/>
-    <dgm:cxn modelId="{F057544D-B06A-4893-8E0D-08356418C17C}" type="presOf" srcId="{5A9F44FA-D793-450B-B9AD-A75275717D16}" destId="{5E62F709-C665-4A3B-A623-8A8948764E43}" srcOrd="0" destOrd="0" presId="urn:microsoft.com/office/officeart/2005/8/layout/chevron2"/>
     <dgm:cxn modelId="{E0C93148-405C-4E29-B6FD-1191F65E23A9}" type="presOf" srcId="{0F786E82-5020-452E-B775-0B6D25418F5B}" destId="{202C0973-6722-46F7-ACDE-CAE46121E938}" srcOrd="0" destOrd="0" presId="urn:microsoft.com/office/officeart/2005/8/layout/chevron2"/>
     <dgm:cxn modelId="{5B2B5B71-C84C-44E2-86D2-A0FEF1EFFA57}" srcId="{45018C27-9B59-4B6F-9C5B-720DEDB7B2B6}" destId="{CC494D7B-C758-455D-8FA0-EBAE0BA5100B}" srcOrd="0" destOrd="0" parTransId="{9413313A-D03A-4F99-829D-E92AAA375DA9}" sibTransId="{72341E9D-55DC-4228-9A62-939F4E39C803}"/>
     <dgm:cxn modelId="{C036657C-EC90-4306-B760-93E6E231C027}" type="presOf" srcId="{45018C27-9B59-4B6F-9C5B-720DEDB7B2B6}" destId="{560BEEA7-BDB2-483E-BB66-0BD1659A1A5D}" srcOrd="0" destOrd="0" presId="urn:microsoft.com/office/officeart/2005/8/layout/chevron2"/>
@@ -3389,7 +3421,7 @@
           <a:p>
             <a:fld id="{7EA7F127-ECAA-4760-ACEA-FAD63A3FB4DC}" type="datetimeFigureOut">
               <a:rPr lang="ko-KR" altLang="en-US" smtClean="0"/>
-              <a:t>2021-05-12</a:t>
+              <a:t>2021-05-13</a:t>
             </a:fld>
             <a:endParaRPr lang="ko-KR" altLang="en-US"/>
           </a:p>
@@ -3554,7 +3586,7 @@
           <a:p>
             <a:fld id="{D90E243F-38FD-4C77-9249-0B541C6C526A}" type="datetimeFigureOut">
               <a:rPr lang="ko-KR" altLang="en-US" smtClean="0"/>
-              <a:t>2021-05-12</a:t>
+              <a:t>2021-05-13</a:t>
             </a:fld>
             <a:endParaRPr lang="ko-KR" altLang="en-US"/>
           </a:p>
@@ -9160,25 +9192,7 @@
                 </a:solidFill>
                 <a:ea typeface="맑은 고딕" pitchFamily="50" charset="-127"/>
               </a:rPr>
-              <a:t>년 간의</a:t>
-            </a:r>
-            <a:r>
-              <a:rPr lang="ko-KR" altLang="en-US" dirty="0" smtClean="0">
-                <a:solidFill>
-                  <a:schemeClr val="bg1"/>
-                </a:solidFill>
-                <a:ea typeface="맑은 고딕" pitchFamily="50" charset="-127"/>
-              </a:rPr>
-              <a:t> </a:t>
-            </a:r>
-            <a:r>
-              <a:rPr lang="ko-KR" altLang="en-US" dirty="0" smtClean="0">
-                <a:solidFill>
-                  <a:schemeClr val="bg1"/>
-                </a:solidFill>
-                <a:ea typeface="맑은 고딕" pitchFamily="50" charset="-127"/>
-              </a:rPr>
-              <a:t>음반 시장 분석</a:t>
+              <a:t>년 간의 음반 시장 분석</a:t>
             </a:r>
             <a:endParaRPr lang="en-US" altLang="ko-KR" dirty="0">
               <a:solidFill>
@@ -9200,57 +9214,13 @@
         </p:nvSpPr>
         <p:spPr>
           <a:xfrm>
-            <a:off x="5724128" y="3867894"/>
-            <a:ext cx="3024336" cy="864096"/>
+            <a:off x="7236296" y="3723878"/>
+            <a:ext cx="1152128" cy="864096"/>
           </a:xfrm>
         </p:spPr>
         <p:txBody>
           <a:bodyPr/>
           <a:lstStyle/>
-          <a:p>
-            <a:pPr algn="r">
-              <a:lnSpc>
-                <a:spcPct val="100000"/>
-              </a:lnSpc>
-            </a:pPr>
-            <a:r>
-              <a:rPr lang="ko-KR" altLang="en-US" sz="1400" dirty="0" smtClean="0">
-                <a:solidFill>
-                  <a:schemeClr val="bg1"/>
-                </a:solidFill>
-              </a:rPr>
-              <a:t>빅데이터 </a:t>
-            </a:r>
-            <a:r>
-              <a:rPr lang="en-US" altLang="ko-KR" sz="1400" dirty="0" smtClean="0">
-                <a:solidFill>
-                  <a:schemeClr val="bg1"/>
-                </a:solidFill>
-              </a:rPr>
-              <a:t>UI</a:t>
-            </a:r>
-            <a:r>
-              <a:rPr lang="ko-KR" altLang="en-US" sz="1400" dirty="0" smtClean="0">
-                <a:solidFill>
-                  <a:schemeClr val="bg1"/>
-                </a:solidFill>
-              </a:rPr>
-              <a:t>전문가 양성</a:t>
-            </a:r>
-            <a:r>
-              <a:rPr lang="en-US" altLang="ko-KR" sz="1400" dirty="0" smtClean="0">
-                <a:solidFill>
-                  <a:schemeClr val="bg1"/>
-                </a:solidFill>
-              </a:rPr>
-              <a:t>(Python, R)</a:t>
-            </a:r>
-            <a:endParaRPr lang="en-US" altLang="ko-KR" sz="1800" dirty="0" smtClean="0">
-              <a:solidFill>
-                <a:schemeClr val="bg1"/>
-              </a:solidFill>
-            </a:endParaRPr>
-          </a:p>
           <a:p>
             <a:pPr algn="r">
               <a:lnSpc>
@@ -9780,18 +9750,7 @@
                   </a:schemeClr>
                 </a:solidFill>
               </a:rPr>
-              <a:t>역대 한국 대중 가요 </a:t>
-            </a:r>
-            <a:r>
-              <a:rPr lang="ko-KR" altLang="en-US" sz="1800" b="1" dirty="0" smtClean="0">
-                <a:solidFill>
-                  <a:schemeClr val="tx1">
-                    <a:lumMod val="75000"/>
-                    <a:lumOff val="25000"/>
-                  </a:schemeClr>
-                </a:solidFill>
-              </a:rPr>
-              <a:t>음반 판매량 </a:t>
+              <a:t>역대 한국 대중 가요 음반 판매량 </a:t>
             </a:r>
             <a:endParaRPr lang="en-US" altLang="ko-KR" sz="1800" b="1" dirty="0">
               <a:solidFill>
@@ -10405,40 +10364,7 @@
                 </a:solidFill>
                 <a:cs typeface="Arial" pitchFamily="34" charset="0"/>
               </a:rPr>
-              <a:t>만장 이상의 판매량을 기록하는 음반들이 </a:t>
-            </a:r>
-            <a:r>
-              <a:rPr lang="ko-KR" altLang="en-US" b="1" dirty="0" smtClean="0">
-                <a:solidFill>
-                  <a:schemeClr val="accent2">
-                    <a:lumMod val="50000"/>
-                  </a:schemeClr>
-                </a:solidFill>
-                <a:cs typeface="Arial" pitchFamily="34" charset="0"/>
-              </a:rPr>
-              <a:t>꾸준히</a:t>
-            </a:r>
-            <a:r>
-              <a:rPr lang="ko-KR" altLang="en-US" b="1" dirty="0" smtClean="0">
-                <a:solidFill>
-                  <a:schemeClr val="accent2">
-                    <a:lumMod val="50000"/>
-                  </a:schemeClr>
-                </a:solidFill>
-                <a:cs typeface="Arial" pitchFamily="34" charset="0"/>
-              </a:rPr>
-              <a:t> </a:t>
-            </a:r>
-            <a:r>
-              <a:rPr lang="ko-KR" altLang="en-US" b="1" dirty="0" smtClean="0">
-                <a:solidFill>
-                  <a:schemeClr val="accent2">
-                    <a:lumMod val="50000"/>
-                  </a:schemeClr>
-                </a:solidFill>
-                <a:cs typeface="Arial" pitchFamily="34" charset="0"/>
-              </a:rPr>
-              <a:t>있었다</a:t>
+              <a:t>만장 이상의 판매량을 기록하는 음반들이 꾸준히 있었다</a:t>
             </a:r>
             <a:r>
               <a:rPr lang="en-US" altLang="ko-KR" b="1" dirty="0" smtClean="0">
@@ -11612,12 +11538,6 @@
               </a:rPr>
               <a:t>.</a:t>
             </a:r>
-            <a:endParaRPr lang="en-US" altLang="ko-KR" b="1" dirty="0" smtClean="0">
-              <a:solidFill>
-                <a:srgbClr val="C00000"/>
-              </a:solidFill>
-              <a:cs typeface="Arial" pitchFamily="34" charset="0"/>
-            </a:endParaRPr>
           </a:p>
         </p:txBody>
       </p:sp>
@@ -12769,7 +12689,6 @@
               <a:rPr lang="en-US" altLang="ko-KR" dirty="0"/>
               <a:t>.</a:t>
             </a:r>
-            <a:endParaRPr lang="en-US" altLang="ko-KR" dirty="0"/>
           </a:p>
         </p:txBody>
       </p:sp>
@@ -15631,14 +15550,6 @@
               </a:rPr>
               <a:t>)</a:t>
             </a:r>
-            <a:endParaRPr lang="en-US" altLang="ko-KR" sz="1800" b="1" dirty="0">
-              <a:solidFill>
-                <a:schemeClr val="tx1">
-                  <a:lumMod val="75000"/>
-                  <a:lumOff val="25000"/>
-                </a:schemeClr>
-              </a:solidFill>
-            </a:endParaRPr>
           </a:p>
         </p:txBody>
       </p:sp>
@@ -16941,23 +16852,7 @@
                   <a:srgbClr val="C00000"/>
                 </a:solidFill>
               </a:rPr>
-              <a:t>년 이후 </a:t>
-            </a:r>
-            <a:r>
-              <a:rPr lang="ko-KR" altLang="en-US" sz="2000" dirty="0" smtClean="0">
-                <a:solidFill>
-                  <a:srgbClr val="C00000"/>
-                </a:solidFill>
-              </a:rPr>
-              <a:t>쇠</a:t>
-            </a:r>
-            <a:r>
-              <a:rPr lang="ko-KR" altLang="en-US" sz="2000" dirty="0" smtClean="0">
-                <a:solidFill>
-                  <a:srgbClr val="C00000"/>
-                </a:solidFill>
-              </a:rPr>
-              <a:t>퇴했을까</a:t>
+              <a:t>년 이후 쇠퇴했을까</a:t>
             </a:r>
             <a:r>
               <a:rPr lang="en-US" altLang="ko-KR" sz="2000" dirty="0" smtClean="0">
@@ -17811,47 +17706,7 @@
                 <a:latin typeface="휴먼엑스포" panose="02030504000101010101" pitchFamily="18" charset="-127"/>
                 <a:ea typeface="휴먼엑스포" panose="02030504000101010101" pitchFamily="18" charset="-127"/>
               </a:rPr>
-              <a:t>음반 </a:t>
-            </a:r>
-            <a:r>
-              <a:rPr lang="ko-KR" altLang="en-US" b="1" dirty="0" smtClean="0">
-                <a:solidFill>
-                  <a:schemeClr val="bg1"/>
-                </a:solidFill>
-                <a:latin typeface="휴먼엑스포" panose="02030504000101010101" pitchFamily="18" charset="-127"/>
-                <a:ea typeface="휴먼엑스포" panose="02030504000101010101" pitchFamily="18" charset="-127"/>
-              </a:rPr>
-              <a:t>차트에 대한 추론과 그에 대한 </a:t>
-            </a:r>
-            <a:r>
-              <a:rPr lang="ko-KR" altLang="en-US" b="1" dirty="0" smtClean="0">
-                <a:solidFill>
-                  <a:schemeClr val="bg1"/>
-                </a:solidFill>
-                <a:latin typeface="휴먼엑스포" panose="02030504000101010101" pitchFamily="18" charset="-127"/>
-                <a:ea typeface="휴먼엑스포" panose="02030504000101010101" pitchFamily="18" charset="-127"/>
-              </a:rPr>
-              <a:t>자료</a:t>
-            </a:r>
-            <a:r>
-              <a:rPr lang="ko-KR" altLang="en-US" b="1" dirty="0" smtClean="0">
-                <a:solidFill>
-                  <a:schemeClr val="bg1"/>
-                </a:solidFill>
-                <a:latin typeface="휴먼엑스포" panose="02030504000101010101" pitchFamily="18" charset="-127"/>
-                <a:ea typeface="휴먼엑스포" panose="02030504000101010101" pitchFamily="18" charset="-127"/>
-              </a:rPr>
-              <a:t> </a:t>
-            </a:r>
-            <a:r>
-              <a:rPr lang="ko-KR" altLang="en-US" b="1" dirty="0" smtClean="0">
-                <a:solidFill>
-                  <a:schemeClr val="bg1"/>
-                </a:solidFill>
-                <a:latin typeface="휴먼엑스포" panose="02030504000101010101" pitchFamily="18" charset="-127"/>
-                <a:ea typeface="휴먼엑스포" panose="02030504000101010101" pitchFamily="18" charset="-127"/>
-              </a:rPr>
-              <a:t>분석 </a:t>
+              <a:t>음반 차트에 대한 추론과 그에 대한 자료 분석 </a:t>
             </a:r>
             <a:r>
               <a:rPr lang="en-US" altLang="ko-KR" b="1" dirty="0" smtClean="0">
@@ -18000,29 +17855,7 @@
                 <a:ea typeface="맑은 고딕" panose="020B0503020000020004" pitchFamily="50" charset="-127"/>
                 <a:cs typeface="Arial" pitchFamily="34" charset="0"/>
               </a:rPr>
-              <a:t>분석할 자료</a:t>
-            </a:r>
-            <a:r>
-              <a:rPr lang="ko-KR" altLang="en-US" sz="1600" b="1" dirty="0" smtClean="0">
-                <a:solidFill>
-                  <a:schemeClr val="bg1"/>
-                </a:solidFill>
-                <a:latin typeface="맑은 고딕" panose="020B0503020000020004" pitchFamily="50" charset="-127"/>
-                <a:ea typeface="맑은 고딕" panose="020B0503020000020004" pitchFamily="50" charset="-127"/>
-                <a:cs typeface="Arial" pitchFamily="34" charset="0"/>
-              </a:rPr>
-              <a:t> </a:t>
-            </a:r>
-            <a:r>
-              <a:rPr lang="ko-KR" altLang="en-US" sz="1600" b="1" dirty="0" smtClean="0">
-                <a:solidFill>
-                  <a:schemeClr val="bg1"/>
-                </a:solidFill>
-                <a:latin typeface="맑은 고딕" panose="020B0503020000020004" pitchFamily="50" charset="-127"/>
-                <a:ea typeface="맑은 고딕" panose="020B0503020000020004" pitchFamily="50" charset="-127"/>
-                <a:cs typeface="Arial" pitchFamily="34" charset="0"/>
-              </a:rPr>
-              <a:t>소개</a:t>
+              <a:t>분석할 자료 소개</a:t>
             </a:r>
             <a:endParaRPr lang="en-US" altLang="ko-KR" sz="1600" b="1" dirty="0" smtClean="0">
               <a:solidFill>
@@ -18137,17 +17970,7 @@
                 <a:latin typeface="휴먼엑스포" panose="02030504000101010101" pitchFamily="18" charset="-127"/>
                 <a:ea typeface="휴먼엑스포" panose="02030504000101010101" pitchFamily="18" charset="-127"/>
               </a:rPr>
-              <a:t>연구 </a:t>
-            </a:r>
-            <a:r>
-              <a:rPr lang="ko-KR" altLang="en-US" sz="2000" b="1" dirty="0" smtClean="0">
-                <a:solidFill>
-                  <a:schemeClr val="bg1"/>
-                </a:solidFill>
-                <a:latin typeface="휴먼엑스포" panose="02030504000101010101" pitchFamily="18" charset="-127"/>
-                <a:ea typeface="휴먼엑스포" panose="02030504000101010101" pitchFamily="18" charset="-127"/>
-              </a:rPr>
-              <a:t>배경 </a:t>
+              <a:t>연구 배경 </a:t>
             </a:r>
             <a:endParaRPr lang="ko-KR" altLang="en-US" sz="2000" b="1" dirty="0">
               <a:solidFill>
@@ -18290,18 +18113,7 @@
                 <a:ea typeface="맑은 고딕" panose="020B0503020000020004" pitchFamily="50" charset="-127"/>
                 <a:cs typeface="Arial" pitchFamily="34" charset="0"/>
               </a:rPr>
-              <a:t>대한민국 음반 </a:t>
-            </a:r>
-            <a:r>
-              <a:rPr lang="ko-KR" altLang="en-US" sz="1600" b="1" dirty="0" smtClean="0">
-                <a:solidFill>
-                  <a:schemeClr val="bg1"/>
-                </a:solidFill>
-                <a:latin typeface="맑은 고딕" panose="020B0503020000020004" pitchFamily="50" charset="-127"/>
-                <a:ea typeface="맑은 고딕" panose="020B0503020000020004" pitchFamily="50" charset="-127"/>
-                <a:cs typeface="Arial" pitchFamily="34" charset="0"/>
-              </a:rPr>
-              <a:t>시장의 간단한 역사 </a:t>
+              <a:t>대한민국 음반 시장의 간단한 역사 </a:t>
             </a:r>
             <a:endParaRPr lang="en-US" altLang="ko-KR" sz="1600" b="1" dirty="0">
               <a:solidFill>
@@ -18445,18 +18257,7 @@
                 <a:ea typeface="맑은 고딕" panose="020B0503020000020004" pitchFamily="50" charset="-127"/>
                 <a:cs typeface="Arial" pitchFamily="34" charset="0"/>
               </a:rPr>
-              <a:t>데이터 분석을 통한 가설 설정 </a:t>
-            </a:r>
-            <a:r>
-              <a:rPr lang="ko-KR" altLang="en-US" sz="1600" b="1" dirty="0" smtClean="0">
-                <a:solidFill>
-                  <a:schemeClr val="bg1"/>
-                </a:solidFill>
-                <a:latin typeface="맑은 고딕" panose="020B0503020000020004" pitchFamily="50" charset="-127"/>
-                <a:ea typeface="맑은 고딕" panose="020B0503020000020004" pitchFamily="50" charset="-127"/>
-                <a:cs typeface="Arial" pitchFamily="34" charset="0"/>
-              </a:rPr>
-              <a:t>  </a:t>
+              <a:t>데이터 분석을 통한 가설 설정   </a:t>
             </a:r>
             <a:endParaRPr lang="en-US" altLang="ko-KR" sz="1600" b="1" dirty="0">
               <a:solidFill>
@@ -19176,18 +18977,7 @@
                 <a:ea typeface="맑은 고딕" panose="020B0503020000020004" pitchFamily="50" charset="-127"/>
                 <a:cs typeface="Arial" pitchFamily="34" charset="0"/>
               </a:rPr>
-              <a:t>가설을 뒷받침할 데이터 분석 및 시각화  </a:t>
-            </a:r>
-            <a:r>
-              <a:rPr lang="ko-KR" altLang="en-US" sz="1600" b="1" dirty="0" smtClean="0">
-                <a:solidFill>
-                  <a:schemeClr val="bg1"/>
-                </a:solidFill>
-                <a:latin typeface="맑은 고딕" panose="020B0503020000020004" pitchFamily="50" charset="-127"/>
-                <a:ea typeface="맑은 고딕" panose="020B0503020000020004" pitchFamily="50" charset="-127"/>
-                <a:cs typeface="Arial" pitchFamily="34" charset="0"/>
-              </a:rPr>
-              <a:t>  </a:t>
+              <a:t>가설을 뒷받침할 데이터 분석 및 시각화    </a:t>
             </a:r>
             <a:endParaRPr lang="en-US" altLang="ko-KR" sz="1600" b="1" dirty="0">
               <a:solidFill>
@@ -23082,19 +22872,7 @@
                 <a:latin typeface="휴먼모음T" panose="02030504000101010101" pitchFamily="18" charset="-127"/>
                 <a:ea typeface="휴먼모음T" panose="02030504000101010101" pitchFamily="18" charset="-127"/>
               </a:rPr>
-              <a:t>▶ </a:t>
-            </a:r>
-            <a:r>
-              <a:rPr lang="ko-KR" altLang="en-US" sz="2800" dirty="0" smtClean="0">
-                <a:solidFill>
-                  <a:schemeClr val="bg1">
-                    <a:lumMod val="50000"/>
-                  </a:schemeClr>
-                </a:solidFill>
-                <a:latin typeface="휴먼모음T" panose="02030504000101010101" pitchFamily="18" charset="-127"/>
-                <a:ea typeface="휴먼모음T" panose="02030504000101010101" pitchFamily="18" charset="-127"/>
-              </a:rPr>
-              <a:t>가설 및 분석 결과 정리</a:t>
+              <a:t>▶ 가설 및 분석 결과 정리</a:t>
             </a:r>
             <a:endParaRPr lang="en-US" altLang="ko-KR" sz="2800" dirty="0">
               <a:solidFill>
@@ -23198,15 +22976,7 @@
             </a:pPr>
             <a:r>
               <a:rPr lang="ko-KR" altLang="en-US" sz="1400" dirty="0" smtClean="0"/>
-              <a:t>제목 </a:t>
-            </a:r>
-            <a:r>
-              <a:rPr lang="ko-KR" altLang="en-US" sz="1400" dirty="0" smtClean="0"/>
-              <a:t>슬라이드 배경 </a:t>
-            </a:r>
-            <a:r>
-              <a:rPr lang="ko-KR" altLang="en-US" sz="1400" dirty="0" smtClean="0"/>
-              <a:t>이미지</a:t>
+              <a:t>제목 슬라이드 배경 이미지</a:t>
             </a:r>
             <a:r>
               <a:rPr lang="en-US" altLang="ko-KR" sz="1400" dirty="0"/>
@@ -24320,19 +24090,7 @@
                 <a:latin typeface="휴먼모음T" panose="02030504000101010101" pitchFamily="18" charset="-127"/>
                 <a:ea typeface="휴먼모음T" panose="02030504000101010101" pitchFamily="18" charset="-127"/>
               </a:rPr>
-              <a:t>▶ 대한민국 음반 </a:t>
-            </a:r>
-            <a:r>
-              <a:rPr lang="ko-KR" altLang="en-US" sz="2800" dirty="0" smtClean="0">
-                <a:solidFill>
-                  <a:schemeClr val="bg1">
-                    <a:lumMod val="50000"/>
-                  </a:schemeClr>
-                </a:solidFill>
-                <a:latin typeface="휴먼모음T" panose="02030504000101010101" pitchFamily="18" charset="-127"/>
-                <a:ea typeface="휴먼모음T" panose="02030504000101010101" pitchFamily="18" charset="-127"/>
-              </a:rPr>
-              <a:t>시장의 간단한 역사 </a:t>
+              <a:t>▶ 대한민국 음반 시장의 간단한 역사 </a:t>
             </a:r>
             <a:endParaRPr lang="en-US" altLang="ko-KR" sz="2800" dirty="0">
               <a:solidFill>
